--- a/docs/resources/UI Tutorial - React.pptx
+++ b/docs/resources/UI Tutorial - React.pptx
@@ -5,7 +5,7 @@
     <p:sldMasterId id="2147483648" r:id="rId1"/>
   </p:sldMasterIdLst>
   <p:notesMasterIdLst>
-    <p:notesMasterId r:id="rId50"/>
+    <p:notesMasterId r:id="rId51"/>
   </p:notesMasterIdLst>
   <p:sldIdLst>
     <p:sldId id="256" r:id="rId2"/>
@@ -56,6 +56,7 @@
     <p:sldId id="308" r:id="rId47"/>
     <p:sldId id="309" r:id="rId48"/>
     <p:sldId id="310" r:id="rId49"/>
+    <p:sldId id="311" r:id="rId50"/>
   </p:sldIdLst>
   <p:sldSz cx="12192000" cy="6858000"/>
   <p:notesSz cx="6858000" cy="9144000"/>
@@ -21962,6 +21963,203 @@
 </p:sld>
 </file>
 
+<file path=ppt/slides/slide49.xml><?xml version="1.0" encoding="utf-8"?>
+<p:sld xmlns:a="http://schemas.openxmlformats.org/drawingml/2006/main" xmlns:r="http://schemas.openxmlformats.org/officeDocument/2006/relationships" xmlns:p="http://schemas.openxmlformats.org/presentationml/2006/main">
+  <p:cSld>
+    <p:spTree>
+      <p:nvGrpSpPr>
+        <p:cNvPr id="1" name=""/>
+        <p:cNvGrpSpPr/>
+        <p:nvPr/>
+      </p:nvGrpSpPr>
+      <p:grpSpPr>
+        <a:xfrm>
+          <a:off x="0" y="0"/>
+          <a:ext cx="0" cy="0"/>
+          <a:chOff x="0" y="0"/>
+          <a:chExt cx="0" cy="0"/>
+        </a:xfrm>
+      </p:grpSpPr>
+      <p:sp>
+        <p:nvSpPr>
+          <p:cNvPr id="2" name="Title 1"/>
+          <p:cNvSpPr>
+            <a:spLocks noGrp="1"/>
+          </p:cNvSpPr>
+          <p:nvPr>
+            <p:ph type="title"/>
+          </p:nvPr>
+        </p:nvSpPr>
+        <p:spPr/>
+        <p:txBody>
+          <a:bodyPr/>
+          <a:lstStyle/>
+          <a:p>
+            <a:r>
+              <a:rPr lang="en-US" dirty="0" smtClean="0"/>
+              <a:t>Your Tutorial Task</a:t>
+            </a:r>
+            <a:endParaRPr lang="en-US" dirty="0"/>
+          </a:p>
+        </p:txBody>
+      </p:sp>
+      <p:sp>
+        <p:nvSpPr>
+          <p:cNvPr id="3" name="TextBox 2"/>
+          <p:cNvSpPr txBox="1"/>
+          <p:nvPr/>
+        </p:nvSpPr>
+        <p:spPr>
+          <a:xfrm>
+            <a:off x="3040083" y="2232561"/>
+            <a:ext cx="184731" cy="369332"/>
+          </a:xfrm>
+          <a:prstGeom prst="rect">
+            <a:avLst/>
+          </a:prstGeom>
+          <a:noFill/>
+        </p:spPr>
+        <p:txBody>
+          <a:bodyPr wrap="none" rtlCol="0">
+            <a:spAutoFit/>
+          </a:bodyPr>
+          <a:lstStyle/>
+          <a:p>
+            <a:endParaRPr lang="en-US" dirty="0"/>
+          </a:p>
+        </p:txBody>
+      </p:sp>
+      <p:sp>
+        <p:nvSpPr>
+          <p:cNvPr id="5" name="TextBox 4"/>
+          <p:cNvSpPr txBox="1"/>
+          <p:nvPr/>
+        </p:nvSpPr>
+        <p:spPr>
+          <a:xfrm>
+            <a:off x="1128156" y="1995055"/>
+            <a:ext cx="10080412" cy="3970318"/>
+          </a:xfrm>
+          <a:prstGeom prst="rect">
+            <a:avLst/>
+          </a:prstGeom>
+          <a:noFill/>
+        </p:spPr>
+        <p:txBody>
+          <a:bodyPr wrap="square" rtlCol="0">
+            <a:spAutoFit/>
+          </a:bodyPr>
+          <a:lstStyle/>
+          <a:p>
+            <a:r>
+              <a:rPr lang="en-US" sz="2800" dirty="0" smtClean="0"/>
+              <a:t>Submission on OWL Due Friday Feb 24</a:t>
+            </a:r>
+            <a:r>
+              <a:rPr lang="en-US" sz="2800" baseline="30000" dirty="0" smtClean="0"/>
+              <a:t>th</a:t>
+            </a:r>
+            <a:r>
+              <a:rPr lang="en-US" sz="2800" dirty="0" smtClean="0"/>
+              <a:t> at 11:55pm</a:t>
+            </a:r>
+          </a:p>
+          <a:p>
+            <a:pPr marL="457200" indent="-457200">
+              <a:buFont typeface="Arial" charset="0"/>
+              <a:buChar char="•"/>
+            </a:pPr>
+            <a:r>
+              <a:rPr lang="en-US" sz="2800" dirty="0" smtClean="0"/>
+              <a:t>Submit a single JavaScript file called </a:t>
+            </a:r>
+            <a:r>
+              <a:rPr lang="en-US" sz="2800" b="1" dirty="0" err="1" smtClean="0"/>
+              <a:t>accountcreation.js</a:t>
+            </a:r>
+            <a:r>
+              <a:rPr lang="en-US" sz="2800" dirty="0" smtClean="0"/>
+              <a:t> (2%)</a:t>
+            </a:r>
+          </a:p>
+          <a:p>
+            <a:pPr marL="457200" indent="-457200">
+              <a:buFont typeface="Arial" charset="0"/>
+              <a:buChar char="•"/>
+            </a:pPr>
+            <a:r>
+              <a:rPr lang="en-US" sz="2800" dirty="0" smtClean="0"/>
+              <a:t>Fork the repository to your GitHub account and commit modified version to master branch (0.5%)</a:t>
+            </a:r>
+          </a:p>
+          <a:p>
+            <a:pPr marL="914400" lvl="1" indent="-457200">
+              <a:buFont typeface="Arial" charset="0"/>
+              <a:buChar char="•"/>
+            </a:pPr>
+            <a:r>
+              <a:rPr lang="en-US" sz="2800" dirty="0" smtClean="0"/>
+              <a:t>Must be public repository</a:t>
+            </a:r>
+          </a:p>
+          <a:p>
+            <a:pPr marL="914400" lvl="1" indent="-457200">
+              <a:buFont typeface="Arial" charset="0"/>
+              <a:buChar char="•"/>
+            </a:pPr>
+            <a:r>
+              <a:rPr lang="en-US" sz="2800" dirty="0" smtClean="0"/>
+              <a:t>Must include link to .</a:t>
+            </a:r>
+            <a:r>
+              <a:rPr lang="en-US" sz="2800" dirty="0" err="1" smtClean="0"/>
+              <a:t>git</a:t>
+            </a:r>
+            <a:r>
+              <a:rPr lang="en-US" sz="2800" dirty="0" smtClean="0"/>
+              <a:t> file for points</a:t>
+            </a:r>
+          </a:p>
+          <a:p>
+            <a:pPr marL="914400" lvl="1" indent="-457200">
+              <a:buFont typeface="Arial" charset="0"/>
+              <a:buChar char="•"/>
+            </a:pPr>
+            <a:r>
+              <a:rPr lang="en-US" sz="2800" dirty="0" smtClean="0"/>
+              <a:t>Program should run without errors </a:t>
+            </a:r>
+            <a:r>
+              <a:rPr lang="en-US" sz="2800" smtClean="0"/>
+              <a:t>after cloning</a:t>
+            </a:r>
+            <a:endParaRPr lang="en-US" sz="2800" dirty="0" smtClean="0"/>
+          </a:p>
+          <a:p>
+            <a:endParaRPr lang="en-US" sz="2800" dirty="0"/>
+          </a:p>
+        </p:txBody>
+      </p:sp>
+    </p:spTree>
+    <p:extLst>
+      <p:ext uri="{BB962C8B-B14F-4D97-AF65-F5344CB8AC3E}">
+        <p14:creationId xmlns:p14="http://schemas.microsoft.com/office/powerpoint/2010/main" val="72075497"/>
+      </p:ext>
+    </p:extLst>
+  </p:cSld>
+  <p:clrMapOvr>
+    <a:masterClrMapping/>
+  </p:clrMapOvr>
+  <p:timing>
+    <p:tnLst>
+      <p:par>
+        <p:cTn id="1" dur="indefinite" restart="never" nodeType="tmRoot"/>
+      </p:par>
+    </p:tnLst>
+  </p:timing>
+</p:sld>
+</file>
+
 <file path=ppt/slides/slide5.xml><?xml version="1.0" encoding="utf-8"?>
 <p:sld xmlns:a="http://schemas.openxmlformats.org/drawingml/2006/main" xmlns:r="http://schemas.openxmlformats.org/officeDocument/2006/relationships" xmlns:p="http://schemas.openxmlformats.org/presentationml/2006/main">
   <p:cSld>

--- a/docs/resources/UI Tutorial - React.pptx
+++ b/docs/resources/UI Tutorial - React.pptx
@@ -5,7 +5,7 @@
     <p:sldMasterId id="2147483648" r:id="rId1"/>
   </p:sldMasterIdLst>
   <p:notesMasterIdLst>
-    <p:notesMasterId r:id="rId51"/>
+    <p:notesMasterId r:id="rId52"/>
   </p:notesMasterIdLst>
   <p:sldIdLst>
     <p:sldId id="256" r:id="rId2"/>
@@ -57,6 +57,7 @@
     <p:sldId id="309" r:id="rId48"/>
     <p:sldId id="310" r:id="rId49"/>
     <p:sldId id="311" r:id="rId50"/>
+    <p:sldId id="312" r:id="rId51"/>
   </p:sldIdLst>
   <p:sldSz cx="12192000" cy="6858000"/>
   <p:notesSz cx="6858000" cy="9144000"/>
@@ -256,7 +257,7 @@
           <a:p>
             <a:fld id="{F1BC00D6-B452-E34D-9410-86C55CD31D3F}" type="datetimeFigureOut">
               <a:rPr lang="en-US" smtClean="0"/>
-              <a:t>2/9/17</a:t>
+              <a:t>2/14/17</a:t>
             </a:fld>
             <a:endParaRPr lang="en-US"/>
           </a:p>
@@ -1747,7 +1748,7 @@
           <a:p>
             <a:fld id="{88066DB2-B83B-3341-9396-5658545182FD}" type="datetimeFigureOut">
               <a:rPr lang="en-US" smtClean="0"/>
-              <a:t>2/9/17</a:t>
+              <a:t>2/14/17</a:t>
             </a:fld>
             <a:endParaRPr lang="en-US"/>
           </a:p>
@@ -1917,7 +1918,7 @@
           <a:p>
             <a:fld id="{88066DB2-B83B-3341-9396-5658545182FD}" type="datetimeFigureOut">
               <a:rPr lang="en-US" smtClean="0"/>
-              <a:t>2/9/17</a:t>
+              <a:t>2/14/17</a:t>
             </a:fld>
             <a:endParaRPr lang="en-US"/>
           </a:p>
@@ -2097,7 +2098,7 @@
           <a:p>
             <a:fld id="{88066DB2-B83B-3341-9396-5658545182FD}" type="datetimeFigureOut">
               <a:rPr lang="en-US" smtClean="0"/>
-              <a:t>2/9/17</a:t>
+              <a:t>2/14/17</a:t>
             </a:fld>
             <a:endParaRPr lang="en-US"/>
           </a:p>
@@ -2267,7 +2268,7 @@
           <a:p>
             <a:fld id="{88066DB2-B83B-3341-9396-5658545182FD}" type="datetimeFigureOut">
               <a:rPr lang="en-US" smtClean="0"/>
-              <a:t>2/9/17</a:t>
+              <a:t>2/14/17</a:t>
             </a:fld>
             <a:endParaRPr lang="en-US"/>
           </a:p>
@@ -2513,7 +2514,7 @@
           <a:p>
             <a:fld id="{88066DB2-B83B-3341-9396-5658545182FD}" type="datetimeFigureOut">
               <a:rPr lang="en-US" smtClean="0"/>
-              <a:t>2/9/17</a:t>
+              <a:t>2/14/17</a:t>
             </a:fld>
             <a:endParaRPr lang="en-US"/>
           </a:p>
@@ -2745,7 +2746,7 @@
           <a:p>
             <a:fld id="{88066DB2-B83B-3341-9396-5658545182FD}" type="datetimeFigureOut">
               <a:rPr lang="en-US" smtClean="0"/>
-              <a:t>2/9/17</a:t>
+              <a:t>2/14/17</a:t>
             </a:fld>
             <a:endParaRPr lang="en-US"/>
           </a:p>
@@ -3112,7 +3113,7 @@
           <a:p>
             <a:fld id="{88066DB2-B83B-3341-9396-5658545182FD}" type="datetimeFigureOut">
               <a:rPr lang="en-US" smtClean="0"/>
-              <a:t>2/9/17</a:t>
+              <a:t>2/14/17</a:t>
             </a:fld>
             <a:endParaRPr lang="en-US"/>
           </a:p>
@@ -3230,7 +3231,7 @@
           <a:p>
             <a:fld id="{88066DB2-B83B-3341-9396-5658545182FD}" type="datetimeFigureOut">
               <a:rPr lang="en-US" smtClean="0"/>
-              <a:t>2/9/17</a:t>
+              <a:t>2/14/17</a:t>
             </a:fld>
             <a:endParaRPr lang="en-US"/>
           </a:p>
@@ -3325,7 +3326,7 @@
           <a:p>
             <a:fld id="{88066DB2-B83B-3341-9396-5658545182FD}" type="datetimeFigureOut">
               <a:rPr lang="en-US" smtClean="0"/>
-              <a:t>2/9/17</a:t>
+              <a:t>2/14/17</a:t>
             </a:fld>
             <a:endParaRPr lang="en-US"/>
           </a:p>
@@ -3602,7 +3603,7 @@
           <a:p>
             <a:fld id="{88066DB2-B83B-3341-9396-5658545182FD}" type="datetimeFigureOut">
               <a:rPr lang="en-US" smtClean="0"/>
-              <a:t>2/9/17</a:t>
+              <a:t>2/14/17</a:t>
             </a:fld>
             <a:endParaRPr lang="en-US"/>
           </a:p>
@@ -3855,7 +3856,7 @@
           <a:p>
             <a:fld id="{88066DB2-B83B-3341-9396-5658545182FD}" type="datetimeFigureOut">
               <a:rPr lang="en-US" smtClean="0"/>
-              <a:t>2/9/17</a:t>
+              <a:t>2/14/17</a:t>
             </a:fld>
             <a:endParaRPr lang="en-US"/>
           </a:p>
@@ -4068,7 +4069,7 @@
           <a:p>
             <a:fld id="{88066DB2-B83B-3341-9396-5658545182FD}" type="datetimeFigureOut">
               <a:rPr lang="en-US" smtClean="0"/>
-              <a:t>2/9/17</a:t>
+              <a:t>2/14/17</a:t>
             </a:fld>
             <a:endParaRPr lang="en-US"/>
           </a:p>
@@ -22005,14 +22006,14 @@
       </p:sp>
       <p:sp>
         <p:nvSpPr>
-          <p:cNvPr id="3" name="TextBox 2"/>
+          <p:cNvPr id="5" name="TextBox 4"/>
           <p:cNvSpPr txBox="1"/>
           <p:nvPr/>
         </p:nvSpPr>
         <p:spPr>
           <a:xfrm>
-            <a:off x="3040083" y="2232561"/>
-            <a:ext cx="184731" cy="369332"/>
+            <a:off x="1128156" y="1995055"/>
+            <a:ext cx="10080412" cy="2246769"/>
           </a:xfrm>
           <a:prstGeom prst="rect">
             <a:avLst/>
@@ -22020,32 +22021,6 @@
           <a:noFill/>
         </p:spPr>
         <p:txBody>
-          <a:bodyPr wrap="none" rtlCol="0">
-            <a:spAutoFit/>
-          </a:bodyPr>
-          <a:lstStyle/>
-          <a:p>
-            <a:endParaRPr lang="en-US" dirty="0"/>
-          </a:p>
-        </p:txBody>
-      </p:sp>
-      <p:sp>
-        <p:nvSpPr>
-          <p:cNvPr id="5" name="TextBox 4"/>
-          <p:cNvSpPr txBox="1"/>
-          <p:nvPr/>
-        </p:nvSpPr>
-        <p:spPr>
-          <a:xfrm>
-            <a:off x="1128156" y="1995055"/>
-            <a:ext cx="10080412" cy="3970318"/>
-          </a:xfrm>
-          <a:prstGeom prst="rect">
-            <a:avLst/>
-          </a:prstGeom>
-          <a:noFill/>
-        </p:spPr>
-        <p:txBody>
           <a:bodyPr wrap="square" rtlCol="0">
             <a:spAutoFit/>
           </a:bodyPr>
@@ -22053,15 +22028,23 @@
           <a:p>
             <a:r>
               <a:rPr lang="en-US" sz="2800" dirty="0" smtClean="0"/>
-              <a:t>Submission on OWL Due Friday Feb 24</a:t>
+              <a:t>Submission on OWL Due Friday </a:t>
+            </a:r>
+            <a:r>
+              <a:rPr lang="en-US" sz="2800" dirty="0" smtClean="0"/>
+              <a:t>Wed March 1</a:t>
             </a:r>
             <a:r>
               <a:rPr lang="en-US" sz="2800" baseline="30000" dirty="0" smtClean="0"/>
-              <a:t>th</a:t>
+              <a:t>st</a:t>
             </a:r>
             <a:r>
               <a:rPr lang="en-US" sz="2800" dirty="0" smtClean="0"/>
-              <a:t> at 11:55pm</a:t>
+              <a:t> at </a:t>
+            </a:r>
+            <a:r>
+              <a:rPr lang="en-US" sz="2800" dirty="0" smtClean="0"/>
+              <a:t>11:55pm</a:t>
             </a:r>
           </a:p>
           <a:p>
@@ -22079,8 +22062,13 @@
             </a:r>
             <a:r>
               <a:rPr lang="en-US" sz="2800" dirty="0" smtClean="0"/>
-              <a:t> (2%)</a:t>
-            </a:r>
+              <a:t> (</a:t>
+            </a:r>
+            <a:r>
+              <a:rPr lang="en-US" sz="2800" dirty="0" smtClean="0"/>
+              <a:t>2.5%)</a:t>
+            </a:r>
+            <a:endParaRPr lang="en-US" sz="2800" dirty="0" smtClean="0"/>
           </a:p>
           <a:p>
             <a:pPr marL="457200" indent="-457200">
@@ -22089,54 +22077,35 @@
             </a:pPr>
             <a:r>
               <a:rPr lang="en-US" sz="2800" dirty="0" smtClean="0"/>
-              <a:t>Fork the repository to your GitHub account and commit modified version to master branch (0.5%)</a:t>
-            </a:r>
-          </a:p>
-          <a:p>
-            <a:pPr marL="914400" lvl="1" indent="-457200">
+              <a:t>Work on the empty file provided in /</a:t>
+            </a:r>
+            <a:r>
+              <a:rPr lang="en-US" sz="2800" dirty="0" err="1" smtClean="0"/>
+              <a:t>src</a:t>
+            </a:r>
+            <a:r>
+              <a:rPr lang="en-US" sz="2800" dirty="0" smtClean="0"/>
+              <a:t>/main/</a:t>
+            </a:r>
+            <a:r>
+              <a:rPr lang="en-US" sz="2800" dirty="0" err="1" smtClean="0"/>
+              <a:t>js</a:t>
+            </a:r>
+            <a:r>
+              <a:rPr lang="en-US" sz="2800" dirty="0" smtClean="0"/>
+              <a:t>/</a:t>
+            </a:r>
+          </a:p>
+          <a:p>
+            <a:pPr marL="457200" indent="-457200">
               <a:buFont typeface="Arial" charset="0"/>
               <a:buChar char="•"/>
             </a:pPr>
             <a:r>
               <a:rPr lang="en-US" sz="2800" dirty="0" smtClean="0"/>
-              <a:t>Must be public repository</a:t>
-            </a:r>
-          </a:p>
-          <a:p>
-            <a:pPr marL="914400" lvl="1" indent="-457200">
-              <a:buFont typeface="Arial" charset="0"/>
-              <a:buChar char="•"/>
-            </a:pPr>
-            <a:r>
-              <a:rPr lang="en-US" sz="2800" dirty="0" smtClean="0"/>
-              <a:t>Must include link to .</a:t>
-            </a:r>
-            <a:r>
-              <a:rPr lang="en-US" sz="2800" dirty="0" err="1" smtClean="0"/>
-              <a:t>git</a:t>
-            </a:r>
-            <a:r>
-              <a:rPr lang="en-US" sz="2800" dirty="0" smtClean="0"/>
-              <a:t> file for points</a:t>
-            </a:r>
-          </a:p>
-          <a:p>
-            <a:pPr marL="914400" lvl="1" indent="-457200">
-              <a:buFont typeface="Arial" charset="0"/>
-              <a:buChar char="•"/>
-            </a:pPr>
-            <a:r>
-              <a:rPr lang="en-US" sz="2800" dirty="0" smtClean="0"/>
-              <a:t>Program should run without errors </a:t>
-            </a:r>
-            <a:r>
-              <a:rPr lang="en-US" sz="2800" smtClean="0"/>
-              <a:t>after cloning</a:t>
+              <a:t>Must be compatible with example project from GitHub</a:t>
             </a:r>
             <a:endParaRPr lang="en-US" sz="2800" dirty="0" smtClean="0"/>
-          </a:p>
-          <a:p>
-            <a:endParaRPr lang="en-US" sz="2800" dirty="0"/>
           </a:p>
         </p:txBody>
       </p:sp>
@@ -22367,6 +22336,162 @@
     <p:extLst>
       <p:ext uri="{BB962C8B-B14F-4D97-AF65-F5344CB8AC3E}">
         <p14:creationId xmlns:p14="http://schemas.microsoft.com/office/powerpoint/2010/main" val="192331275"/>
+      </p:ext>
+    </p:extLst>
+  </p:cSld>
+  <p:clrMapOvr>
+    <a:masterClrMapping/>
+  </p:clrMapOvr>
+  <p:timing>
+    <p:tnLst>
+      <p:par>
+        <p:cTn id="1" dur="indefinite" restart="never" nodeType="tmRoot"/>
+      </p:par>
+    </p:tnLst>
+  </p:timing>
+</p:sld>
+</file>
+
+<file path=ppt/slides/slide50.xml><?xml version="1.0" encoding="utf-8"?>
+<p:sld xmlns:a="http://schemas.openxmlformats.org/drawingml/2006/main" xmlns:r="http://schemas.openxmlformats.org/officeDocument/2006/relationships" xmlns:p="http://schemas.openxmlformats.org/presentationml/2006/main">
+  <p:cSld>
+    <p:spTree>
+      <p:nvGrpSpPr>
+        <p:cNvPr id="1" name=""/>
+        <p:cNvGrpSpPr/>
+        <p:nvPr/>
+      </p:nvGrpSpPr>
+      <p:grpSpPr>
+        <a:xfrm>
+          <a:off x="0" y="0"/>
+          <a:ext cx="0" cy="0"/>
+          <a:chOff x="0" y="0"/>
+          <a:chExt cx="0" cy="0"/>
+        </a:xfrm>
+      </p:grpSpPr>
+      <p:sp>
+        <p:nvSpPr>
+          <p:cNvPr id="2" name="Title 1"/>
+          <p:cNvSpPr>
+            <a:spLocks noGrp="1"/>
+          </p:cNvSpPr>
+          <p:nvPr>
+            <p:ph type="title"/>
+          </p:nvPr>
+        </p:nvSpPr>
+        <p:spPr/>
+        <p:txBody>
+          <a:bodyPr/>
+          <a:lstStyle/>
+          <a:p>
+            <a:r>
+              <a:rPr lang="en-US" dirty="0" smtClean="0"/>
+              <a:t>Your Tutorial Task</a:t>
+            </a:r>
+            <a:endParaRPr lang="en-US" dirty="0"/>
+          </a:p>
+        </p:txBody>
+      </p:sp>
+      <p:sp>
+        <p:nvSpPr>
+          <p:cNvPr id="5" name="TextBox 4"/>
+          <p:cNvSpPr txBox="1"/>
+          <p:nvPr/>
+        </p:nvSpPr>
+        <p:spPr>
+          <a:xfrm>
+            <a:off x="1128156" y="1995055"/>
+            <a:ext cx="10080412" cy="3970318"/>
+          </a:xfrm>
+          <a:prstGeom prst="rect">
+            <a:avLst/>
+          </a:prstGeom>
+          <a:noFill/>
+        </p:spPr>
+        <p:txBody>
+          <a:bodyPr wrap="square" rtlCol="0">
+            <a:spAutoFit/>
+          </a:bodyPr>
+          <a:lstStyle/>
+          <a:p>
+            <a:r>
+              <a:rPr lang="en-US" sz="2800" dirty="0" smtClean="0"/>
+              <a:t>Notice that in /</a:t>
+            </a:r>
+            <a:r>
+              <a:rPr lang="en-US" sz="2800" dirty="0" err="1" smtClean="0"/>
+              <a:t>src</a:t>
+            </a:r>
+            <a:r>
+              <a:rPr lang="en-US" sz="2800" dirty="0" smtClean="0"/>
+              <a:t>/main/</a:t>
+            </a:r>
+            <a:r>
+              <a:rPr lang="en-US" sz="2800" dirty="0" err="1" smtClean="0"/>
+              <a:t>js</a:t>
+            </a:r>
+            <a:r>
+              <a:rPr lang="en-US" sz="2800" dirty="0" smtClean="0"/>
+              <a:t>/</a:t>
+            </a:r>
+            <a:r>
+              <a:rPr lang="en-US" sz="2800" dirty="0" err="1" smtClean="0"/>
+              <a:t>index.js</a:t>
+            </a:r>
+            <a:r>
+              <a:rPr lang="en-US" sz="2800" dirty="0" smtClean="0"/>
+              <a:t>, there is already an </a:t>
+            </a:r>
+            <a:r>
+              <a:rPr lang="en-US" sz="2800" dirty="0" err="1" smtClean="0"/>
+              <a:t>AccountCreation</a:t>
+            </a:r>
+            <a:r>
+              <a:rPr lang="en-US" sz="2800" smtClean="0"/>
+              <a:t> import statement and element.</a:t>
+            </a:r>
+            <a:endParaRPr lang="en-US" sz="2800" dirty="0" smtClean="0"/>
+          </a:p>
+          <a:p>
+            <a:endParaRPr lang="en-US" sz="2800" dirty="0"/>
+          </a:p>
+          <a:p>
+            <a:r>
+              <a:rPr lang="en-US" sz="2800" dirty="0" smtClean="0"/>
+              <a:t>Note that your code will not render if there is an error in </a:t>
+            </a:r>
+            <a:r>
+              <a:rPr lang="en-US" sz="2800" dirty="0" err="1" smtClean="0"/>
+              <a:t>accountcreation.js</a:t>
+            </a:r>
+            <a:endParaRPr lang="en-US" sz="2800" dirty="0"/>
+          </a:p>
+          <a:p>
+            <a:endParaRPr lang="en-US" sz="2800" dirty="0" smtClean="0"/>
+          </a:p>
+          <a:p>
+            <a:r>
+              <a:rPr lang="en-US" sz="2800" dirty="0" smtClean="0"/>
+              <a:t>Your implementation will be tested by rendering a single &lt;</a:t>
+            </a:r>
+            <a:r>
+              <a:rPr lang="en-US" sz="2800" dirty="0" err="1" smtClean="0"/>
+              <a:t>AccountCreation</a:t>
+            </a:r>
+            <a:r>
+              <a:rPr lang="en-US" sz="2800" dirty="0" smtClean="0"/>
+              <a:t>/&gt; element from index.</a:t>
+            </a:r>
+          </a:p>
+          <a:p>
+            <a:endParaRPr lang="en-US" sz="2800" dirty="0"/>
+          </a:p>
+        </p:txBody>
+      </p:sp>
+    </p:spTree>
+    <p:extLst>
+      <p:ext uri="{BB962C8B-B14F-4D97-AF65-F5344CB8AC3E}">
+        <p14:creationId xmlns:p14="http://schemas.microsoft.com/office/powerpoint/2010/main" val="1089443998"/>
       </p:ext>
     </p:extLst>
   </p:cSld>

--- a/docs/resources/UI Tutorial - React.pptx
+++ b/docs/resources/UI Tutorial - React.pptx
@@ -257,7 +257,7 @@
           <a:p>
             <a:fld id="{F1BC00D6-B452-E34D-9410-86C55CD31D3F}" type="datetimeFigureOut">
               <a:rPr lang="en-US" smtClean="0"/>
-              <a:t>2/14/17</a:t>
+              <a:t>2/15/17</a:t>
             </a:fld>
             <a:endParaRPr lang="en-US"/>
           </a:p>
@@ -1748,7 +1748,7 @@
           <a:p>
             <a:fld id="{88066DB2-B83B-3341-9396-5658545182FD}" type="datetimeFigureOut">
               <a:rPr lang="en-US" smtClean="0"/>
-              <a:t>2/14/17</a:t>
+              <a:t>2/15/17</a:t>
             </a:fld>
             <a:endParaRPr lang="en-US"/>
           </a:p>
@@ -1918,7 +1918,7 @@
           <a:p>
             <a:fld id="{88066DB2-B83B-3341-9396-5658545182FD}" type="datetimeFigureOut">
               <a:rPr lang="en-US" smtClean="0"/>
-              <a:t>2/14/17</a:t>
+              <a:t>2/15/17</a:t>
             </a:fld>
             <a:endParaRPr lang="en-US"/>
           </a:p>
@@ -2098,7 +2098,7 @@
           <a:p>
             <a:fld id="{88066DB2-B83B-3341-9396-5658545182FD}" type="datetimeFigureOut">
               <a:rPr lang="en-US" smtClean="0"/>
-              <a:t>2/14/17</a:t>
+              <a:t>2/15/17</a:t>
             </a:fld>
             <a:endParaRPr lang="en-US"/>
           </a:p>
@@ -2268,7 +2268,7 @@
           <a:p>
             <a:fld id="{88066DB2-B83B-3341-9396-5658545182FD}" type="datetimeFigureOut">
               <a:rPr lang="en-US" smtClean="0"/>
-              <a:t>2/14/17</a:t>
+              <a:t>2/15/17</a:t>
             </a:fld>
             <a:endParaRPr lang="en-US"/>
           </a:p>
@@ -2514,7 +2514,7 @@
           <a:p>
             <a:fld id="{88066DB2-B83B-3341-9396-5658545182FD}" type="datetimeFigureOut">
               <a:rPr lang="en-US" smtClean="0"/>
-              <a:t>2/14/17</a:t>
+              <a:t>2/15/17</a:t>
             </a:fld>
             <a:endParaRPr lang="en-US"/>
           </a:p>
@@ -2746,7 +2746,7 @@
           <a:p>
             <a:fld id="{88066DB2-B83B-3341-9396-5658545182FD}" type="datetimeFigureOut">
               <a:rPr lang="en-US" smtClean="0"/>
-              <a:t>2/14/17</a:t>
+              <a:t>2/15/17</a:t>
             </a:fld>
             <a:endParaRPr lang="en-US"/>
           </a:p>
@@ -3113,7 +3113,7 @@
           <a:p>
             <a:fld id="{88066DB2-B83B-3341-9396-5658545182FD}" type="datetimeFigureOut">
               <a:rPr lang="en-US" smtClean="0"/>
-              <a:t>2/14/17</a:t>
+              <a:t>2/15/17</a:t>
             </a:fld>
             <a:endParaRPr lang="en-US"/>
           </a:p>
@@ -3231,7 +3231,7 @@
           <a:p>
             <a:fld id="{88066DB2-B83B-3341-9396-5658545182FD}" type="datetimeFigureOut">
               <a:rPr lang="en-US" smtClean="0"/>
-              <a:t>2/14/17</a:t>
+              <a:t>2/15/17</a:t>
             </a:fld>
             <a:endParaRPr lang="en-US"/>
           </a:p>
@@ -3326,7 +3326,7 @@
           <a:p>
             <a:fld id="{88066DB2-B83B-3341-9396-5658545182FD}" type="datetimeFigureOut">
               <a:rPr lang="en-US" smtClean="0"/>
-              <a:t>2/14/17</a:t>
+              <a:t>2/15/17</a:t>
             </a:fld>
             <a:endParaRPr lang="en-US"/>
           </a:p>
@@ -3603,7 +3603,7 @@
           <a:p>
             <a:fld id="{88066DB2-B83B-3341-9396-5658545182FD}" type="datetimeFigureOut">
               <a:rPr lang="en-US" smtClean="0"/>
-              <a:t>2/14/17</a:t>
+              <a:t>2/15/17</a:t>
             </a:fld>
             <a:endParaRPr lang="en-US"/>
           </a:p>
@@ -3856,7 +3856,7 @@
           <a:p>
             <a:fld id="{88066DB2-B83B-3341-9396-5658545182FD}" type="datetimeFigureOut">
               <a:rPr lang="en-US" smtClean="0"/>
-              <a:t>2/14/17</a:t>
+              <a:t>2/15/17</a:t>
             </a:fld>
             <a:endParaRPr lang="en-US"/>
           </a:p>
@@ -4069,7 +4069,7 @@
           <a:p>
             <a:fld id="{88066DB2-B83B-3341-9396-5658545182FD}" type="datetimeFigureOut">
               <a:rPr lang="en-US" smtClean="0"/>
-              <a:t>2/14/17</a:t>
+              <a:t>2/15/17</a:t>
             </a:fld>
             <a:endParaRPr lang="en-US"/>
           </a:p>
@@ -18396,7 +18396,15 @@
             </a:r>
             <a:r>
               <a:rPr lang="en-US" sz="2000" dirty="0" smtClean="0"/>
-              <a:t> is responsible for rending content to the parent document. </a:t>
+              <a:t> is responsible for </a:t>
+            </a:r>
+            <a:r>
+              <a:rPr lang="en-US" sz="2000" dirty="0" smtClean="0"/>
+              <a:t>rendering </a:t>
+            </a:r>
+            <a:r>
+              <a:rPr lang="en-US" sz="2000" dirty="0" smtClean="0"/>
+              <a:t>content to the parent document. </a:t>
             </a:r>
           </a:p>
           <a:p>
@@ -22028,11 +22036,15 @@
           <a:p>
             <a:r>
               <a:rPr lang="en-US" sz="2800" dirty="0" smtClean="0"/>
-              <a:t>Submission on OWL Due Friday </a:t>
+              <a:t>Submission on OWL Due </a:t>
             </a:r>
             <a:r>
               <a:rPr lang="en-US" sz="2800" dirty="0" smtClean="0"/>
-              <a:t>Wed March 1</a:t>
+              <a:t>Wed </a:t>
+            </a:r>
+            <a:r>
+              <a:rPr lang="en-US" sz="2800" dirty="0" smtClean="0"/>
+              <a:t>March 1</a:t>
             </a:r>
             <a:r>
               <a:rPr lang="en-US" sz="2800" baseline="30000" dirty="0" smtClean="0"/>
@@ -22040,11 +22052,7 @@
             </a:r>
             <a:r>
               <a:rPr lang="en-US" sz="2800" dirty="0" smtClean="0"/>
-              <a:t> at </a:t>
-            </a:r>
-            <a:r>
-              <a:rPr lang="en-US" sz="2800" dirty="0" smtClean="0"/>
-              <a:t>11:55pm</a:t>
+              <a:t> at 11:55pm</a:t>
             </a:r>
           </a:p>
           <a:p>
@@ -22062,13 +22070,8 @@
             </a:r>
             <a:r>
               <a:rPr lang="en-US" sz="2800" dirty="0" smtClean="0"/>
-              <a:t> (</a:t>
-            </a:r>
-            <a:r>
-              <a:rPr lang="en-US" sz="2800" dirty="0" smtClean="0"/>
-              <a:t>2.5%)</a:t>
-            </a:r>
-            <a:endParaRPr lang="en-US" sz="2800" dirty="0" smtClean="0"/>
+              <a:t> (2.5%)</a:t>
+            </a:r>
           </a:p>
           <a:p>
             <a:pPr marL="457200" indent="-457200">
@@ -22105,7 +22108,6 @@
               <a:rPr lang="en-US" sz="2800" dirty="0" smtClean="0"/>
               <a:t>Must be compatible with example project from GitHub</a:t>
             </a:r>
-            <a:endParaRPr lang="en-US" sz="2800" dirty="0" smtClean="0"/>
           </a:p>
         </p:txBody>
       </p:sp>
@@ -22401,7 +22403,7 @@
         <p:spPr>
           <a:xfrm>
             <a:off x="1128156" y="1995055"/>
-            <a:ext cx="10080412" cy="3970318"/>
+            <a:ext cx="10080412" cy="4401205"/>
           </a:xfrm>
           <a:prstGeom prst="rect">
             <a:avLst/>
@@ -22447,10 +22449,9 @@
               <a:t>AccountCreation</a:t>
             </a:r>
             <a:r>
-              <a:rPr lang="en-US" sz="2800" smtClean="0"/>
+              <a:rPr lang="en-US" sz="2800" dirty="0" smtClean="0"/>
               <a:t> import statement and element.</a:t>
             </a:r>
-            <a:endParaRPr lang="en-US" sz="2800" dirty="0" smtClean="0"/>
           </a:p>
           <a:p>
             <a:endParaRPr lang="en-US" sz="2800" dirty="0"/>
@@ -22463,6 +22464,18 @@
             <a:r>
               <a:rPr lang="en-US" sz="2800" dirty="0" err="1" smtClean="0"/>
               <a:t>accountcreation.js</a:t>
+            </a:r>
+            <a:r>
+              <a:rPr lang="en-US" sz="2800" dirty="0" smtClean="0"/>
+              <a:t> </a:t>
+            </a:r>
+            <a:r>
+              <a:rPr lang="mr-IN" sz="2800" dirty="0" smtClean="0"/>
+              <a:t>–</a:t>
+            </a:r>
+            <a:r>
+              <a:rPr lang="en-US" sz="2800" smtClean="0"/>
+              <a:t> try removing the element to ensure the rest of the code is working.</a:t>
             </a:r>
             <a:endParaRPr lang="en-US" sz="2800" dirty="0"/>
           </a:p>
